--- a/ランナーゲーム.pptx
+++ b/ランナーゲーム.pptx
@@ -245,7 +245,7 @@
           <a:p>
             <a:fld id="{2562B324-0EDA-4B3E-A2F0-4CF46CEF37BD}" type="datetimeFigureOut">
               <a:rPr kumimoji="1" lang="ja-JP" altLang="en-US" smtClean="0"/>
-              <a:t>2025/10/6</a:t>
+              <a:t>2025/10/7</a:t>
             </a:fld>
             <a:endParaRPr kumimoji="1" lang="ja-JP" altLang="en-US"/>
           </a:p>
@@ -447,7 +447,7 @@
           <a:p>
             <a:fld id="{2562B324-0EDA-4B3E-A2F0-4CF46CEF37BD}" type="datetimeFigureOut">
               <a:rPr kumimoji="1" lang="ja-JP" altLang="en-US" smtClean="0"/>
-              <a:t>2025/10/6</a:t>
+              <a:t>2025/10/7</a:t>
             </a:fld>
             <a:endParaRPr kumimoji="1" lang="ja-JP" altLang="en-US"/>
           </a:p>
@@ -659,7 +659,7 @@
           <a:p>
             <a:fld id="{2562B324-0EDA-4B3E-A2F0-4CF46CEF37BD}" type="datetimeFigureOut">
               <a:rPr kumimoji="1" lang="ja-JP" altLang="en-US" smtClean="0"/>
-              <a:t>2025/10/6</a:t>
+              <a:t>2025/10/7</a:t>
             </a:fld>
             <a:endParaRPr kumimoji="1" lang="ja-JP" altLang="en-US"/>
           </a:p>
@@ -861,7 +861,7 @@
           <a:p>
             <a:fld id="{2562B324-0EDA-4B3E-A2F0-4CF46CEF37BD}" type="datetimeFigureOut">
               <a:rPr kumimoji="1" lang="ja-JP" altLang="en-US" smtClean="0"/>
-              <a:t>2025/10/6</a:t>
+              <a:t>2025/10/7</a:t>
             </a:fld>
             <a:endParaRPr kumimoji="1" lang="ja-JP" altLang="en-US"/>
           </a:p>
@@ -1107,7 +1107,7 @@
           <a:p>
             <a:fld id="{2562B324-0EDA-4B3E-A2F0-4CF46CEF37BD}" type="datetimeFigureOut">
               <a:rPr kumimoji="1" lang="ja-JP" altLang="en-US" smtClean="0"/>
-              <a:t>2025/10/6</a:t>
+              <a:t>2025/10/7</a:t>
             </a:fld>
             <a:endParaRPr kumimoji="1" lang="ja-JP" altLang="en-US"/>
           </a:p>
@@ -1403,7 +1403,7 @@
           <a:p>
             <a:fld id="{2562B324-0EDA-4B3E-A2F0-4CF46CEF37BD}" type="datetimeFigureOut">
               <a:rPr kumimoji="1" lang="ja-JP" altLang="en-US" smtClean="0"/>
-              <a:t>2025/10/6</a:t>
+              <a:t>2025/10/7</a:t>
             </a:fld>
             <a:endParaRPr kumimoji="1" lang="ja-JP" altLang="en-US"/>
           </a:p>
@@ -1834,7 +1834,7 @@
           <a:p>
             <a:fld id="{2562B324-0EDA-4B3E-A2F0-4CF46CEF37BD}" type="datetimeFigureOut">
               <a:rPr kumimoji="1" lang="ja-JP" altLang="en-US" smtClean="0"/>
-              <a:t>2025/10/6</a:t>
+              <a:t>2025/10/7</a:t>
             </a:fld>
             <a:endParaRPr kumimoji="1" lang="ja-JP" altLang="en-US"/>
           </a:p>
@@ -1952,7 +1952,7 @@
           <a:p>
             <a:fld id="{2562B324-0EDA-4B3E-A2F0-4CF46CEF37BD}" type="datetimeFigureOut">
               <a:rPr kumimoji="1" lang="ja-JP" altLang="en-US" smtClean="0"/>
-              <a:t>2025/10/6</a:t>
+              <a:t>2025/10/7</a:t>
             </a:fld>
             <a:endParaRPr kumimoji="1" lang="ja-JP" altLang="en-US"/>
           </a:p>
@@ -2047,7 +2047,7 @@
           <a:p>
             <a:fld id="{2562B324-0EDA-4B3E-A2F0-4CF46CEF37BD}" type="datetimeFigureOut">
               <a:rPr kumimoji="1" lang="ja-JP" altLang="en-US" smtClean="0"/>
-              <a:t>2025/10/6</a:t>
+              <a:t>2025/10/7</a:t>
             </a:fld>
             <a:endParaRPr kumimoji="1" lang="ja-JP" altLang="en-US"/>
           </a:p>
@@ -2356,7 +2356,7 @@
           <a:p>
             <a:fld id="{2562B324-0EDA-4B3E-A2F0-4CF46CEF37BD}" type="datetimeFigureOut">
               <a:rPr kumimoji="1" lang="ja-JP" altLang="en-US" smtClean="0"/>
-              <a:t>2025/10/6</a:t>
+              <a:t>2025/10/7</a:t>
             </a:fld>
             <a:endParaRPr kumimoji="1" lang="ja-JP" altLang="en-US"/>
           </a:p>
@@ -2609,7 +2609,7 @@
           <a:p>
             <a:fld id="{2562B324-0EDA-4B3E-A2F0-4CF46CEF37BD}" type="datetimeFigureOut">
               <a:rPr kumimoji="1" lang="ja-JP" altLang="en-US" smtClean="0"/>
-              <a:t>2025/10/6</a:t>
+              <a:t>2025/10/7</a:t>
             </a:fld>
             <a:endParaRPr kumimoji="1" lang="ja-JP" altLang="en-US"/>
           </a:p>
@@ -2854,7 +2854,7 @@
           <a:p>
             <a:fld id="{2562B324-0EDA-4B3E-A2F0-4CF46CEF37BD}" type="datetimeFigureOut">
               <a:rPr kumimoji="1" lang="ja-JP" altLang="en-US" smtClean="0"/>
-              <a:t>2025/10/6</a:t>
+              <a:t>2025/10/7</a:t>
             </a:fld>
             <a:endParaRPr kumimoji="1" lang="ja-JP" altLang="en-US"/>
           </a:p>
@@ -3271,14 +3271,16 @@
         </p:nvSpPr>
         <p:spPr/>
         <p:txBody>
-          <a:bodyPr/>
-          <a:lstStyle/>
-          <a:p>
-            <a:r>
-              <a:rPr kumimoji="1" lang="ja-JP" altLang="en-US" dirty="0" smtClean="0"/>
-              <a:t>ランナーゲーム</a:t>
-            </a:r>
-            <a:endParaRPr kumimoji="1" lang="ja-JP" altLang="en-US" dirty="0"/>
+          <a:bodyPr>
+            <a:normAutofit/>
+          </a:bodyPr>
+          <a:lstStyle/>
+          <a:p>
+            <a:r>
+              <a:rPr lang="ja-JP" altLang="en-US" sz="8800" b="1" dirty="0"/>
+              <a:t>退勤ダッシュ</a:t>
+            </a:r>
+            <a:endParaRPr kumimoji="1" lang="ja-JP" altLang="en-US" sz="8800" b="1" dirty="0"/>
           </a:p>
         </p:txBody>
       </p:sp>
@@ -3292,7 +3294,12 @@
             <p:ph type="subTitle" idx="1"/>
           </p:nvPr>
         </p:nvSpPr>
-        <p:spPr/>
+        <p:spPr>
+          <a:xfrm>
+            <a:off x="1524000" y="4484541"/>
+            <a:ext cx="9144000" cy="1655762"/>
+          </a:xfrm>
+        </p:spPr>
         <p:txBody>
           <a:bodyPr/>
           <a:lstStyle/>
@@ -3382,7 +3389,7 @@
         </p:nvSpPr>
         <p:spPr>
           <a:xfrm>
-            <a:off x="476002" y="1878045"/>
+            <a:off x="476002" y="1533421"/>
             <a:ext cx="10110460" cy="369332"/>
           </a:xfrm>
           <a:prstGeom prst="rect">
@@ -3499,8 +3506,8 @@
         </p:nvSpPr>
         <p:spPr>
           <a:xfrm>
-            <a:off x="476002" y="4754879"/>
-            <a:ext cx="8956298" cy="1200329"/>
+            <a:off x="476002" y="5221127"/>
+            <a:ext cx="9417963" cy="1200329"/>
           </a:xfrm>
           <a:prstGeom prst="rect">
             <a:avLst/>
@@ -3526,7 +3533,15 @@
             </a:r>
             <a:r>
               <a:rPr lang="ja-JP" altLang="en-US" b="1" dirty="0" smtClean="0"/>
-              <a:t>　　　　　何かしらのアクションを起こすとスピードが上がる</a:t>
+              <a:t>　　　　　</a:t>
+            </a:r>
+            <a:r>
+              <a:rPr lang="ja-JP" altLang="en-US" b="1" dirty="0" smtClean="0"/>
+              <a:t>アクション</a:t>
+            </a:r>
+            <a:r>
+              <a:rPr lang="ja-JP" altLang="en-US" b="1" dirty="0" smtClean="0"/>
+              <a:t>を起こすとスピードが上がる</a:t>
             </a:r>
             <a:endParaRPr kumimoji="1" lang="en-US" altLang="ja-JP" b="1" dirty="0" smtClean="0"/>
           </a:p>
@@ -3537,7 +3552,27 @@
             </a:r>
             <a:r>
               <a:rPr lang="ja-JP" altLang="en-US" b="1" dirty="0" smtClean="0"/>
-              <a:t>　　　　　ジャンプやスライディングで障害物をギリギリで避ける、敵を攻撃する</a:t>
+              <a:t>　　　　　</a:t>
+            </a:r>
+            <a:r>
+              <a:rPr lang="en-US" altLang="ja-JP" b="1" dirty="0" smtClean="0"/>
+              <a:t>(</a:t>
+            </a:r>
+            <a:r>
+              <a:rPr lang="ja-JP" altLang="en-US" b="1" dirty="0" smtClean="0"/>
+              <a:t>例</a:t>
+            </a:r>
+            <a:r>
+              <a:rPr lang="en-US" altLang="ja-JP" b="1" dirty="0" smtClean="0"/>
+              <a:t>)</a:t>
+            </a:r>
+            <a:r>
+              <a:rPr lang="ja-JP" altLang="en-US" b="1" dirty="0" smtClean="0"/>
+              <a:t>ジャンプ</a:t>
+            </a:r>
+            <a:r>
+              <a:rPr lang="ja-JP" altLang="en-US" b="1" dirty="0" smtClean="0"/>
+              <a:t>やスライディングで障害物をギリギリで避ける、敵を攻撃する</a:t>
             </a:r>
             <a:endParaRPr lang="en-US" altLang="ja-JP" b="1" dirty="0" smtClean="0"/>
           </a:p>
@@ -3554,6 +3589,36 @@
           </a:p>
         </p:txBody>
       </p:sp>
+      <p:pic>
+        <p:nvPicPr>
+          <p:cNvPr id="5" name="図 4"/>
+          <p:cNvPicPr>
+            <a:picLocks noChangeAspect="1"/>
+          </p:cNvPicPr>
+          <p:nvPr/>
+        </p:nvPicPr>
+        <p:blipFill>
+          <a:blip r:embed="rId2">
+            <a:extLst>
+              <a:ext uri="{28A0092B-C50C-407E-A947-70E740481C1C}">
+                <a14:useLocalDpi xmlns:a14="http://schemas.microsoft.com/office/drawing/2010/main" val="0"/>
+              </a:ext>
+            </a:extLst>
+          </a:blip>
+          <a:stretch>
+            <a:fillRect/>
+          </a:stretch>
+        </p:blipFill>
+        <p:spPr>
+          <a:xfrm>
+            <a:off x="6655360" y="1944139"/>
+            <a:ext cx="2967105" cy="3390976"/>
+          </a:xfrm>
+          <a:prstGeom prst="rect">
+            <a:avLst/>
+          </a:prstGeom>
+        </p:spPr>
+      </p:pic>
     </p:spTree>
     <p:extLst>
       <p:ext uri="{BB962C8B-B14F-4D97-AF65-F5344CB8AC3E}">
@@ -3603,7 +3668,9 @@
         </p:nvSpPr>
         <p:spPr/>
         <p:txBody>
-          <a:bodyPr/>
+          <a:bodyPr>
+            <a:normAutofit/>
+          </a:bodyPr>
           <a:lstStyle/>
           <a:p>
             <a:endParaRPr kumimoji="1" lang="ja-JP" altLang="en-US" dirty="0"/>
@@ -3613,7 +3680,7 @@
     </p:spTree>
     <p:extLst>
       <p:ext uri="{BB962C8B-B14F-4D97-AF65-F5344CB8AC3E}">
-        <p14:creationId xmlns:p14="http://schemas.microsoft.com/office/powerpoint/2010/main" val="3019597073"/>
+        <p14:creationId xmlns:p14="http://schemas.microsoft.com/office/powerpoint/2010/main" val="2619406915"/>
       </p:ext>
     </p:extLst>
   </p:cSld>
